--- a/docs/PosterPresentations.com-36x48-Trifold-V3 (3).pptx
+++ b/docs/PosterPresentations.com-36x48-Trifold-V3 (3).pptx
@@ -8728,7 +8728,7 @@
           <a:p>
             <a:r>
               <a:rPr lang="en-US" sz="3600" dirty="0"/>
-              <a:t>We have created a website with an online portal for our students to login and access the testing site. We have used HTML5, CSS, and JavaScript and it is hosted on GoDaddy as well as Heroku. We have implemented continuous integration and development through GitHub and Heroku. The entry point to our site is a landing page which describes our mission as well as provides access to our testing site. In order to normalize the results of our experiment, we have chosen four paragraphs correlated to their own Lexile level corresponding to each grade of the students. We anonymously collected the data by assigning each student a random identifier. The experiment was conducted presumably on 30 students by measuring their speed and accuracy. Our 60 second timed experiment involved two testers and one student at a time. We also marked the number of words misread and skipped per minute on an excel spreadsheet. Then we used Excel in or to conduct a detailed statistical analysis of the data followed by an ANOVA analysis to compare the various classes of the subjects based upon their grade as well as their learning style. </a:t>
+              <a:t>We have created a website with an online portal for our students to login and access the testing site. We have used HTML5, CSS, and JavaScript and it is hosted on GoDaddy as well as Heroku. We have implemented continuous integration and development through GitHub and Heroku. The entry point to our site is a landing page which describes our mission as well as provides access to our testing site. In order to normalize the results of our experiment, we have chosen four paragraphs correlated to their own Lexile level corresponding to each grade of the students. We anonymously collected the data by assigning each student a random identifier. The experiment was conducted presumably on 30 students by measuring their speed and accuracy. Our 60 second timed experiment involved two testers and one student at a time. We also marked the number of words misread and skipped per minute on an excel spreadsheet. Then we used Excel in or to conduct a detailed statistical analysis of the data followed by an ANOVA analysis to compare the various classes of the subjects based upon their grade as well as their learning style and differences. </a:t>
             </a:r>
           </a:p>
         </p:txBody>
@@ -8824,12 +8824,20 @@
             <p:ph type="body" sz="quarter" idx="26"/>
           </p:nvPr>
         </p:nvSpPr>
-        <p:spPr/>
+        <p:spPr>
+          <a:xfrm>
+            <a:off x="33185099" y="6021370"/>
+            <a:ext cx="10201275" cy="4893625"/>
+          </a:xfrm>
+        </p:spPr>
         <p:txBody>
           <a:bodyPr/>
           <a:lstStyle/>
           <a:p>
-            <a:endParaRPr lang="en-US" dirty="0"/>
+            <a:r>
+              <a:rPr lang="en-US" sz="3600" dirty="0"/>
+              <a:t>The results of our data show that our hypothesis is partially confirmed. We were surprised to discover that dyslexic fonts such as Open Dyslexic and Lexia Readable appeared to be easier to read for students who are not dyslexic or have not been diagnosed with dyslexia, while the students with dyslexia, the results were inconclusive.</a:t>
+            </a:r>
           </a:p>
         </p:txBody>
       </p:sp>
@@ -8845,7 +8853,7 @@
         </p:nvSpPr>
         <p:spPr>
           <a:xfrm>
-            <a:off x="33185098" y="14080386"/>
+            <a:off x="33185094" y="11139555"/>
             <a:ext cx="10201275" cy="1107988"/>
           </a:xfrm>
         </p:spPr>
@@ -8871,17 +8879,22 @@
           </p:nvPr>
         </p:nvSpPr>
         <p:spPr>
+          <a:xfrm>
+            <a:off x="33185093" y="12275078"/>
+            <a:ext cx="10201275" cy="3785630"/>
+          </a:xfrm>
           <a:ln>
-            <a:solidFill>
-              <a:srgbClr val="435FAA"/>
-            </a:solidFill>
+            <a:noFill/>
           </a:ln>
         </p:spPr>
         <p:txBody>
           <a:bodyPr/>
           <a:lstStyle/>
           <a:p>
-            <a:endParaRPr lang="en-US" dirty="0"/>
+            <a:r>
+              <a:rPr lang="en-US" sz="3600" dirty="0"/>
+              <a:t>We have to acknowledge that our study was tested on a small population (15 control group, 14 dyslexic), and therefore it might lack a statistical validity. In the future larger and more testing is needed to confirm our initial analysis.</a:t>
+            </a:r>
           </a:p>
         </p:txBody>
       </p:sp>
@@ -8897,7 +8910,7 @@
         </p:nvSpPr>
         <p:spPr>
           <a:xfrm>
-            <a:off x="33185095" y="25502430"/>
+            <a:off x="33185100" y="16991731"/>
             <a:ext cx="10201275" cy="1107988"/>
           </a:xfrm>
         </p:spPr>
@@ -8922,12 +8935,17 @@
             <p:ph type="body" sz="quarter" idx="30"/>
           </p:nvPr>
         </p:nvSpPr>
-        <p:spPr/>
+        <p:spPr>
+          <a:xfrm>
+            <a:off x="33185101" y="17922747"/>
+            <a:ext cx="10201275" cy="1015640"/>
+          </a:xfrm>
+        </p:spPr>
         <p:txBody>
           <a:bodyPr/>
           <a:lstStyle/>
           <a:p>
-            <a:endParaRPr lang="en-US"/>
+            <a:endParaRPr lang="en-US" sz="3600" dirty="0"/>
           </a:p>
         </p:txBody>
       </p:sp>
